--- a/schematic/Presentation3.pptx
+++ b/schematic/Presentation3.pptx
@@ -11,10 +11,11 @@
     <p:sldId id="256" r:id="rId5"/>
     <p:sldId id="267" r:id="rId6"/>
     <p:sldId id="268" r:id="rId7"/>
-    <p:sldId id="271" r:id="rId8"/>
-    <p:sldId id="269" r:id="rId9"/>
-    <p:sldId id="272" r:id="rId10"/>
-    <p:sldId id="273" r:id="rId11"/>
+    <p:sldId id="274" r:id="rId8"/>
+    <p:sldId id="271" r:id="rId9"/>
+    <p:sldId id="269" r:id="rId10"/>
+    <p:sldId id="272" r:id="rId11"/>
+    <p:sldId id="273" r:id="rId12"/>
   </p:sldIdLst>
   <p:sldSz cx="12192000" cy="6858000"/>
   <p:notesSz cx="6858000" cy="9144000"/>
@@ -3555,6 +3556,101 @@
           <a:p>
             <a:r>
               <a:rPr lang="it-IT" b="1" dirty="0"/>
+              <a:t>Demo</a:t>
+            </a:r>
+            <a:endParaRPr lang="en-GB" b="1" dirty="0"/>
+          </a:p>
+        </p:txBody>
+      </p:sp>
+      <p:pic>
+        <p:nvPicPr>
+          <p:cNvPr id="4" name="Picture 3">
+            <a:extLst>
+              <a:ext uri="{FF2B5EF4-FFF2-40B4-BE49-F238E27FC236}">
+                <a16:creationId xmlns:a16="http://schemas.microsoft.com/office/drawing/2014/main" id="{4B452A64-044C-4631-BE76-9A3F87B19FE6}"/>
+              </a:ext>
+            </a:extLst>
+          </p:cNvPr>
+          <p:cNvPicPr>
+            <a:picLocks noChangeAspect="1"/>
+          </p:cNvPicPr>
+          <p:nvPr/>
+        </p:nvPicPr>
+        <p:blipFill>
+          <a:blip r:embed="rId2">
+            <a:extLst>
+              <a:ext uri="{28A0092B-C50C-407E-A947-70E740481C1C}">
+                <a14:useLocalDpi xmlns:a14="http://schemas.microsoft.com/office/drawing/2010/main" val="0"/>
+              </a:ext>
+            </a:extLst>
+          </a:blip>
+          <a:stretch>
+            <a:fillRect/>
+          </a:stretch>
+        </p:blipFill>
+        <p:spPr>
+          <a:xfrm>
+            <a:off x="7741048" y="45967"/>
+            <a:ext cx="4326944" cy="1270140"/>
+          </a:xfrm>
+          <a:prstGeom prst="rect">
+            <a:avLst/>
+          </a:prstGeom>
+        </p:spPr>
+      </p:pic>
+    </p:spTree>
+    <p:extLst>
+      <p:ext uri="{BB962C8B-B14F-4D97-AF65-F5344CB8AC3E}">
+        <p14:creationId xmlns:p14="http://schemas.microsoft.com/office/powerpoint/2010/main" val="808920420"/>
+      </p:ext>
+    </p:extLst>
+  </p:cSld>
+  <p:clrMapOvr>
+    <a:masterClrMapping/>
+  </p:clrMapOvr>
+</p:sld>
+</file>
+
+<file path=ppt/slides/slide11.xml><?xml version="1.0" encoding="utf-8"?>
+<p:sld xmlns:a="http://schemas.openxmlformats.org/drawingml/2006/main" xmlns:r="http://schemas.openxmlformats.org/officeDocument/2006/relationships" xmlns:p="http://schemas.openxmlformats.org/presentationml/2006/main">
+  <p:cSld>
+    <p:spTree>
+      <p:nvGrpSpPr>
+        <p:cNvPr id="1" name=""/>
+        <p:cNvGrpSpPr/>
+        <p:nvPr/>
+      </p:nvGrpSpPr>
+      <p:grpSpPr>
+        <a:xfrm>
+          <a:off x="0" y="0"/>
+          <a:ext cx="0" cy="0"/>
+          <a:chOff x="0" y="0"/>
+          <a:chExt cx="0" cy="0"/>
+        </a:xfrm>
+      </p:grpSpPr>
+      <p:sp>
+        <p:nvSpPr>
+          <p:cNvPr id="2" name="Title 1">
+            <a:extLst>
+              <a:ext uri="{FF2B5EF4-FFF2-40B4-BE49-F238E27FC236}">
+                <a16:creationId xmlns:a16="http://schemas.microsoft.com/office/drawing/2014/main" id="{B7CB8554-530B-4DCD-8A58-75C2421C726B}"/>
+              </a:ext>
+            </a:extLst>
+          </p:cNvPr>
+          <p:cNvSpPr>
+            <a:spLocks noGrp="1"/>
+          </p:cNvSpPr>
+          <p:nvPr>
+            <p:ph type="title"/>
+          </p:nvPr>
+        </p:nvSpPr>
+        <p:spPr/>
+        <p:txBody>
+          <a:bodyPr/>
+          <a:lstStyle/>
+          <a:p>
+            <a:r>
+              <a:rPr lang="it-IT" b="1" dirty="0"/>
               <a:t>Results and improvements</a:t>
             </a:r>
             <a:endParaRPr lang="en-GB" b="1" dirty="0"/>
@@ -5757,10 +5853,71 @@
           <a:bodyPr/>
           <a:lstStyle/>
           <a:p>
+            <a:r>
+              <a:rPr lang="en-US" dirty="0"/>
+              <a:t>Pitch tracker: Tartini</a:t>
+            </a:r>
+          </a:p>
+          <a:p>
+            <a:r>
+              <a:rPr lang="en-US" dirty="0"/>
+              <a:t>Pitch shifter: </a:t>
+            </a:r>
+            <a:r>
+              <a:rPr lang="en-US" dirty="0" err="1"/>
+              <a:t>PitchShiftPA</a:t>
+            </a:r>
+            <a:r>
+              <a:rPr lang="en-US" dirty="0"/>
+              <a:t> (PSOLA)</a:t>
+            </a:r>
+          </a:p>
+          <a:p>
+            <a:r>
+              <a:rPr lang="en-US" dirty="0"/>
+              <a:t>Effects: </a:t>
+            </a:r>
+            <a:r>
+              <a:rPr lang="en-US" dirty="0" err="1"/>
+              <a:t>Rerverb</a:t>
+            </a:r>
+            <a:r>
+              <a:rPr lang="en-US" dirty="0"/>
+              <a:t> / Delay</a:t>
+            </a:r>
+          </a:p>
+          <a:p>
             <a:pPr marL="0" indent="0">
               <a:buNone/>
             </a:pPr>
             <a:endParaRPr lang="en-US" dirty="0"/>
+          </a:p>
+          <a:p>
+            <a:pPr marL="0" indent="0">
+              <a:buNone/>
+            </a:pPr>
+            <a:r>
+              <a:rPr lang="en-US" dirty="0"/>
+              <a:t>Hand motion/gesture controls: </a:t>
+            </a:r>
+          </a:p>
+          <a:p>
+            <a:r>
+              <a:rPr lang="en-US" dirty="0"/>
+              <a:t>Palm length: harmonies ON/OFF (dB mapping)</a:t>
+            </a:r>
+          </a:p>
+          <a:p>
+            <a:r>
+              <a:rPr lang="en-US" dirty="0"/>
+              <a:t>Palm center coordinates: number of voices + high/low harmonics</a:t>
+            </a:r>
+          </a:p>
+          <a:p>
+            <a:r>
+              <a:rPr lang="en-US" dirty="0"/>
+              <a:t>Palm slope: effect dry/wet knob</a:t>
+            </a:r>
           </a:p>
         </p:txBody>
       </p:sp>
@@ -5866,6 +6023,299 @@
           <a:chExt cx="0" cy="0"/>
         </a:xfrm>
       </p:grpSpPr>
+      <p:sp>
+        <p:nvSpPr>
+          <p:cNvPr id="2" name="Title 1">
+            <a:extLst>
+              <a:ext uri="{FF2B5EF4-FFF2-40B4-BE49-F238E27FC236}">
+                <a16:creationId xmlns:a16="http://schemas.microsoft.com/office/drawing/2014/main" id="{B7CB8554-530B-4DCD-8A58-75C2421C726B}"/>
+              </a:ext>
+            </a:extLst>
+          </p:cNvPr>
+          <p:cNvSpPr>
+            <a:spLocks noGrp="1"/>
+          </p:cNvSpPr>
+          <p:nvPr>
+            <p:ph type="title"/>
+          </p:nvPr>
+        </p:nvSpPr>
+        <p:spPr/>
+        <p:txBody>
+          <a:bodyPr/>
+          <a:lstStyle/>
+          <a:p>
+            <a:r>
+              <a:rPr lang="it-IT" b="1" dirty="0"/>
+              <a:t>Supercollider algorithm</a:t>
+            </a:r>
+            <a:endParaRPr lang="en-GB" b="1" dirty="0"/>
+          </a:p>
+        </p:txBody>
+      </p:sp>
+      <p:sp>
+        <p:nvSpPr>
+          <p:cNvPr id="5" name="Text Placeholder 4">
+            <a:extLst>
+              <a:ext uri="{FF2B5EF4-FFF2-40B4-BE49-F238E27FC236}">
+                <a16:creationId xmlns:a16="http://schemas.microsoft.com/office/drawing/2014/main" id="{BCB73546-F054-4E37-B59C-4599F83B2473}"/>
+              </a:ext>
+            </a:extLst>
+          </p:cNvPr>
+          <p:cNvSpPr>
+            <a:spLocks noGrp="1"/>
+          </p:cNvSpPr>
+          <p:nvPr>
+            <p:ph type="body" idx="1"/>
+          </p:nvPr>
+        </p:nvSpPr>
+        <p:spPr/>
+        <p:txBody>
+          <a:bodyPr/>
+          <a:lstStyle/>
+          <a:p>
+            <a:r>
+              <a:rPr lang="en-US" dirty="0"/>
+              <a:t>Version 1</a:t>
+            </a:r>
+            <a:endParaRPr lang="en-GB" dirty="0"/>
+          </a:p>
+        </p:txBody>
+      </p:sp>
+      <p:sp>
+        <p:nvSpPr>
+          <p:cNvPr id="6" name="Content Placeholder 5">
+            <a:extLst>
+              <a:ext uri="{FF2B5EF4-FFF2-40B4-BE49-F238E27FC236}">
+                <a16:creationId xmlns:a16="http://schemas.microsoft.com/office/drawing/2014/main" id="{0B52185A-E5E2-4C78-A682-41509E89240B}"/>
+              </a:ext>
+            </a:extLst>
+          </p:cNvPr>
+          <p:cNvSpPr>
+            <a:spLocks noGrp="1"/>
+          </p:cNvSpPr>
+          <p:nvPr>
+            <p:ph sz="half" idx="2"/>
+          </p:nvPr>
+        </p:nvSpPr>
+        <p:spPr/>
+        <p:txBody>
+          <a:bodyPr/>
+          <a:lstStyle/>
+          <a:p>
+            <a:r>
+              <a:rPr lang="en-US" dirty="0"/>
+              <a:t>MIDI controlled patch switch</a:t>
+            </a:r>
+          </a:p>
+          <a:p>
+            <a:r>
+              <a:rPr lang="en-US" dirty="0"/>
+              <a:t>Fixed interval harmonies in each patch </a:t>
+            </a:r>
+            <a:endParaRPr lang="en-GB" dirty="0"/>
+          </a:p>
+          <a:p>
+            <a:r>
+              <a:rPr lang="en-GB" dirty="0"/>
+              <a:t>Two patches with effects only (reverb/delay)</a:t>
+            </a:r>
+          </a:p>
+          <a:p>
+            <a:pPr marL="0" indent="0">
+              <a:buNone/>
+            </a:pPr>
+            <a:endParaRPr lang="en-US" dirty="0"/>
+          </a:p>
+        </p:txBody>
+      </p:sp>
+      <p:sp>
+        <p:nvSpPr>
+          <p:cNvPr id="8" name="Text Placeholder 7">
+            <a:extLst>
+              <a:ext uri="{FF2B5EF4-FFF2-40B4-BE49-F238E27FC236}">
+                <a16:creationId xmlns:a16="http://schemas.microsoft.com/office/drawing/2014/main" id="{42F5446A-18CB-49DC-B12F-8EAE8F0A15ED}"/>
+              </a:ext>
+            </a:extLst>
+          </p:cNvPr>
+          <p:cNvSpPr>
+            <a:spLocks noGrp="1"/>
+          </p:cNvSpPr>
+          <p:nvPr>
+            <p:ph type="body" sz="quarter" idx="3"/>
+          </p:nvPr>
+        </p:nvSpPr>
+        <p:spPr/>
+        <p:txBody>
+          <a:bodyPr/>
+          <a:lstStyle/>
+          <a:p>
+            <a:r>
+              <a:rPr lang="en-US" dirty="0"/>
+              <a:t>Version 2</a:t>
+            </a:r>
+            <a:endParaRPr lang="en-GB" dirty="0"/>
+          </a:p>
+        </p:txBody>
+      </p:sp>
+      <p:sp>
+        <p:nvSpPr>
+          <p:cNvPr id="9" name="Content Placeholder 8">
+            <a:extLst>
+              <a:ext uri="{FF2B5EF4-FFF2-40B4-BE49-F238E27FC236}">
+                <a16:creationId xmlns:a16="http://schemas.microsoft.com/office/drawing/2014/main" id="{20321E7E-FF4C-4D0A-B329-D4D62D32B233}"/>
+              </a:ext>
+            </a:extLst>
+          </p:cNvPr>
+          <p:cNvSpPr>
+            <a:spLocks noGrp="1"/>
+          </p:cNvSpPr>
+          <p:nvPr>
+            <p:ph sz="quarter" idx="4"/>
+          </p:nvPr>
+        </p:nvSpPr>
+        <p:spPr/>
+        <p:txBody>
+          <a:bodyPr/>
+          <a:lstStyle/>
+          <a:p>
+            <a:r>
+              <a:rPr lang="en-US" dirty="0"/>
+              <a:t>No patches</a:t>
+            </a:r>
+          </a:p>
+          <a:p>
+            <a:r>
+              <a:rPr lang="en-US" dirty="0"/>
+              <a:t>Set a scale and the “</a:t>
+            </a:r>
+            <a:r>
+              <a:rPr lang="en-US" dirty="0" err="1"/>
+              <a:t>Handmonizer</a:t>
+            </a:r>
+            <a:r>
+              <a:rPr lang="en-US" dirty="0"/>
+              <a:t>” will follow it</a:t>
+            </a:r>
+          </a:p>
+          <a:p>
+            <a:r>
+              <a:rPr lang="en-US" dirty="0"/>
+              <a:t>Disclaimer: two </a:t>
+            </a:r>
+            <a:r>
+              <a:rPr lang="en-US" dirty="0" err="1"/>
+              <a:t>SuperCollider</a:t>
+            </a:r>
+            <a:r>
+              <a:rPr lang="en-US" dirty="0"/>
+              <a:t> classes by Matthew Yee King were used</a:t>
+            </a:r>
+            <a:endParaRPr lang="en-GB" dirty="0"/>
+          </a:p>
+        </p:txBody>
+      </p:sp>
+      <p:pic>
+        <p:nvPicPr>
+          <p:cNvPr id="4" name="Picture 3">
+            <a:extLst>
+              <a:ext uri="{FF2B5EF4-FFF2-40B4-BE49-F238E27FC236}">
+                <a16:creationId xmlns:a16="http://schemas.microsoft.com/office/drawing/2014/main" id="{4B452A64-044C-4631-BE76-9A3F87B19FE6}"/>
+              </a:ext>
+            </a:extLst>
+          </p:cNvPr>
+          <p:cNvPicPr>
+            <a:picLocks noChangeAspect="1"/>
+          </p:cNvPicPr>
+          <p:nvPr/>
+        </p:nvPicPr>
+        <p:blipFill>
+          <a:blip r:embed="rId2">
+            <a:extLst>
+              <a:ext uri="{28A0092B-C50C-407E-A947-70E740481C1C}">
+                <a14:useLocalDpi xmlns:a14="http://schemas.microsoft.com/office/drawing/2010/main" val="0"/>
+              </a:ext>
+            </a:extLst>
+          </a:blip>
+          <a:stretch>
+            <a:fillRect/>
+          </a:stretch>
+        </p:blipFill>
+        <p:spPr>
+          <a:xfrm>
+            <a:off x="7741048" y="45967"/>
+            <a:ext cx="4326944" cy="1270140"/>
+          </a:xfrm>
+          <a:prstGeom prst="rect">
+            <a:avLst/>
+          </a:prstGeom>
+        </p:spPr>
+      </p:pic>
+      <p:pic>
+        <p:nvPicPr>
+          <p:cNvPr id="7" name="Picture 6">
+            <a:extLst>
+              <a:ext uri="{FF2B5EF4-FFF2-40B4-BE49-F238E27FC236}">
+                <a16:creationId xmlns:a16="http://schemas.microsoft.com/office/drawing/2014/main" id="{193276DC-4511-4BC6-9D0A-9B64B3C9DB18}"/>
+              </a:ext>
+            </a:extLst>
+          </p:cNvPr>
+          <p:cNvPicPr>
+            <a:picLocks noChangeAspect="1"/>
+          </p:cNvPicPr>
+          <p:nvPr/>
+        </p:nvPicPr>
+        <p:blipFill>
+          <a:blip r:embed="rId3">
+            <a:extLst>
+              <a:ext uri="{28A0092B-C50C-407E-A947-70E740481C1C}">
+                <a14:useLocalDpi xmlns:a14="http://schemas.microsoft.com/office/drawing/2010/main" val="0"/>
+              </a:ext>
+            </a:extLst>
+          </a:blip>
+          <a:stretch>
+            <a:fillRect/>
+          </a:stretch>
+        </p:blipFill>
+        <p:spPr>
+          <a:xfrm>
+            <a:off x="9582707" y="1316107"/>
+            <a:ext cx="1159276" cy="1159276"/>
+          </a:xfrm>
+          <a:prstGeom prst="rect">
+            <a:avLst/>
+          </a:prstGeom>
+        </p:spPr>
+      </p:pic>
+    </p:spTree>
+    <p:extLst>
+      <p:ext uri="{BB962C8B-B14F-4D97-AF65-F5344CB8AC3E}">
+        <p14:creationId xmlns:p14="http://schemas.microsoft.com/office/powerpoint/2010/main" val="3994135871"/>
+      </p:ext>
+    </p:extLst>
+  </p:cSld>
+  <p:clrMapOvr>
+    <a:masterClrMapping/>
+  </p:clrMapOvr>
+</p:sld>
+</file>
+
+<file path=ppt/slides/slide8.xml><?xml version="1.0" encoding="utf-8"?>
+<p:sld xmlns:a="http://schemas.openxmlformats.org/drawingml/2006/main" xmlns:r="http://schemas.openxmlformats.org/officeDocument/2006/relationships" xmlns:p="http://schemas.openxmlformats.org/presentationml/2006/main">
+  <p:cSld>
+    <p:spTree>
+      <p:nvGrpSpPr>
+        <p:cNvPr id="1" name=""/>
+        <p:cNvGrpSpPr/>
+        <p:nvPr/>
+      </p:nvGrpSpPr>
+      <p:grpSpPr>
+        <a:xfrm>
+          <a:off x="0" y="0"/>
+          <a:ext cx="0" cy="0"/>
+          <a:chOff x="0" y="0"/>
+          <a:chExt cx="0" cy="0"/>
+        </a:xfrm>
+      </p:grpSpPr>
       <p:pic>
         <p:nvPicPr>
           <p:cNvPr id="9" name="Picture 8" descr="Shape&#10;&#10;Description automatically generated with low confidence">
@@ -6357,7 +6807,7 @@
 </p:sld>
 </file>
 
-<file path=ppt/slides/slide8.xml><?xml version="1.0" encoding="utf-8"?>
+<file path=ppt/slides/slide9.xml><?xml version="1.0" encoding="utf-8"?>
 <p:sld xmlns:a="http://schemas.openxmlformats.org/drawingml/2006/main" xmlns:r="http://schemas.openxmlformats.org/officeDocument/2006/relationships" xmlns:p="http://schemas.openxmlformats.org/presentationml/2006/main">
   <p:cSld>
     <p:spTree>
@@ -6497,101 +6947,6 @@
     <p:extLst>
       <p:ext uri="{BB962C8B-B14F-4D97-AF65-F5344CB8AC3E}">
         <p14:creationId xmlns:p14="http://schemas.microsoft.com/office/powerpoint/2010/main" val="4010450670"/>
-      </p:ext>
-    </p:extLst>
-  </p:cSld>
-  <p:clrMapOvr>
-    <a:masterClrMapping/>
-  </p:clrMapOvr>
-</p:sld>
-</file>
-
-<file path=ppt/slides/slide9.xml><?xml version="1.0" encoding="utf-8"?>
-<p:sld xmlns:a="http://schemas.openxmlformats.org/drawingml/2006/main" xmlns:r="http://schemas.openxmlformats.org/officeDocument/2006/relationships" xmlns:p="http://schemas.openxmlformats.org/presentationml/2006/main">
-  <p:cSld>
-    <p:spTree>
-      <p:nvGrpSpPr>
-        <p:cNvPr id="1" name=""/>
-        <p:cNvGrpSpPr/>
-        <p:nvPr/>
-      </p:nvGrpSpPr>
-      <p:grpSpPr>
-        <a:xfrm>
-          <a:off x="0" y="0"/>
-          <a:ext cx="0" cy="0"/>
-          <a:chOff x="0" y="0"/>
-          <a:chExt cx="0" cy="0"/>
-        </a:xfrm>
-      </p:grpSpPr>
-      <p:sp>
-        <p:nvSpPr>
-          <p:cNvPr id="2" name="Title 1">
-            <a:extLst>
-              <a:ext uri="{FF2B5EF4-FFF2-40B4-BE49-F238E27FC236}">
-                <a16:creationId xmlns:a16="http://schemas.microsoft.com/office/drawing/2014/main" id="{B7CB8554-530B-4DCD-8A58-75C2421C726B}"/>
-              </a:ext>
-            </a:extLst>
-          </p:cNvPr>
-          <p:cNvSpPr>
-            <a:spLocks noGrp="1"/>
-          </p:cNvSpPr>
-          <p:nvPr>
-            <p:ph type="title"/>
-          </p:nvPr>
-        </p:nvSpPr>
-        <p:spPr/>
-        <p:txBody>
-          <a:bodyPr/>
-          <a:lstStyle/>
-          <a:p>
-            <a:r>
-              <a:rPr lang="it-IT" b="1" dirty="0"/>
-              <a:t>Demo</a:t>
-            </a:r>
-            <a:endParaRPr lang="en-GB" b="1" dirty="0"/>
-          </a:p>
-        </p:txBody>
-      </p:sp>
-      <p:pic>
-        <p:nvPicPr>
-          <p:cNvPr id="4" name="Picture 3">
-            <a:extLst>
-              <a:ext uri="{FF2B5EF4-FFF2-40B4-BE49-F238E27FC236}">
-                <a16:creationId xmlns:a16="http://schemas.microsoft.com/office/drawing/2014/main" id="{4B452A64-044C-4631-BE76-9A3F87B19FE6}"/>
-              </a:ext>
-            </a:extLst>
-          </p:cNvPr>
-          <p:cNvPicPr>
-            <a:picLocks noChangeAspect="1"/>
-          </p:cNvPicPr>
-          <p:nvPr/>
-        </p:nvPicPr>
-        <p:blipFill>
-          <a:blip r:embed="rId2">
-            <a:extLst>
-              <a:ext uri="{28A0092B-C50C-407E-A947-70E740481C1C}">
-                <a14:useLocalDpi xmlns:a14="http://schemas.microsoft.com/office/drawing/2010/main" val="0"/>
-              </a:ext>
-            </a:extLst>
-          </a:blip>
-          <a:stretch>
-            <a:fillRect/>
-          </a:stretch>
-        </p:blipFill>
-        <p:spPr>
-          <a:xfrm>
-            <a:off x="7741048" y="45967"/>
-            <a:ext cx="4326944" cy="1270140"/>
-          </a:xfrm>
-          <a:prstGeom prst="rect">
-            <a:avLst/>
-          </a:prstGeom>
-        </p:spPr>
-      </p:pic>
-    </p:spTree>
-    <p:extLst>
-      <p:ext uri="{BB962C8B-B14F-4D97-AF65-F5344CB8AC3E}">
-        <p14:creationId xmlns:p14="http://schemas.microsoft.com/office/powerpoint/2010/main" val="808920420"/>
       </p:ext>
     </p:extLst>
   </p:cSld>
